--- a/CYBER360-3.4-3.5-Sessions-Endpoints.pptx
+++ b/CYBER360-3.4-3.5-Sessions-Endpoints.pptx
@@ -822,7 +822,7 @@
   <pc:docChgLst>
     <pc:chgData name="Gibbons, Carl" userId="d2b037bc-8fb4-4222-845c-61440543a456" providerId="ADAL" clId="{76083DF3-8FBD-4DE0-B26A-EDA6C384D1FA}"/>
     <pc:docChg chg="custSel addSld modSld">
-      <pc:chgData name="Gibbons, Carl" userId="d2b037bc-8fb4-4222-845c-61440543a456" providerId="ADAL" clId="{76083DF3-8FBD-4DE0-B26A-EDA6C384D1FA}" dt="2024-01-16T02:27:16.428" v="2273" actId="20577"/>
+      <pc:chgData name="Gibbons, Carl" userId="d2b037bc-8fb4-4222-845c-61440543a456" providerId="ADAL" clId="{76083DF3-8FBD-4DE0-B26A-EDA6C384D1FA}" dt="2024-01-24T22:06:08.187" v="2341" actId="20577"/>
       <pc:docMkLst>
         <pc:docMk/>
       </pc:docMkLst>
@@ -842,7 +842,7 @@
         </pc:spChg>
       </pc:sldChg>
       <pc:sldChg chg="modSp mod">
-        <pc:chgData name="Gibbons, Carl" userId="d2b037bc-8fb4-4222-845c-61440543a456" providerId="ADAL" clId="{76083DF3-8FBD-4DE0-B26A-EDA6C384D1FA}" dt="2024-01-16T02:13:13.090" v="932" actId="20577"/>
+        <pc:chgData name="Gibbons, Carl" userId="d2b037bc-8fb4-4222-845c-61440543a456" providerId="ADAL" clId="{76083DF3-8FBD-4DE0-B26A-EDA6C384D1FA}" dt="2024-01-24T22:06:08.187" v="2341" actId="20577"/>
         <pc:sldMkLst>
           <pc:docMk/>
           <pc:sldMk cId="2312486803" sldId="261"/>
@@ -856,7 +856,7 @@
           </ac:spMkLst>
         </pc:spChg>
         <pc:spChg chg="mod">
-          <ac:chgData name="Gibbons, Carl" userId="d2b037bc-8fb4-4222-845c-61440543a456" providerId="ADAL" clId="{76083DF3-8FBD-4DE0-B26A-EDA6C384D1FA}" dt="2024-01-16T02:13:13.090" v="932" actId="20577"/>
+          <ac:chgData name="Gibbons, Carl" userId="d2b037bc-8fb4-4222-845c-61440543a456" providerId="ADAL" clId="{76083DF3-8FBD-4DE0-B26A-EDA6C384D1FA}" dt="2024-01-24T22:06:08.187" v="2341" actId="20577"/>
           <ac:spMkLst>
             <pc:docMk/>
             <pc:sldMk cId="2312486803" sldId="261"/>
@@ -2450,7 +2450,7 @@
           <a:p>
             <a:fld id="{421996D4-4A1C-4BBC-AA2B-FD5B7FC395A0}" type="datetime1">
               <a:rPr lang="en-US" smtClean="0"/>
-              <a:t>1/15/2024</a:t>
+              <a:t>1/24/2024</a:t>
             </a:fld>
             <a:endParaRPr lang="en-US"/>
           </a:p>
@@ -2648,7 +2648,7 @@
           <a:p>
             <a:fld id="{CB43818D-5554-4105-BE04-CEE32DEBDA0A}" type="datetime1">
               <a:rPr lang="en-US" smtClean="0"/>
-              <a:t>1/15/2024</a:t>
+              <a:t>1/24/2024</a:t>
             </a:fld>
             <a:endParaRPr lang="en-US"/>
           </a:p>
@@ -2856,7 +2856,7 @@
           <a:p>
             <a:fld id="{AFAC11C6-1708-41BC-9474-3D7842023D96}" type="datetime1">
               <a:rPr lang="en-US" smtClean="0"/>
-              <a:t>1/15/2024</a:t>
+              <a:t>1/24/2024</a:t>
             </a:fld>
             <a:endParaRPr lang="en-US"/>
           </a:p>
@@ -3135,7 +3135,7 @@
           <a:p>
             <a:fld id="{490605F8-8C86-41F5-9F5E-04EDB8C2540B}" type="datetime1">
               <a:rPr lang="en-US" smtClean="0"/>
-              <a:t>1/15/2024</a:t>
+              <a:t>1/24/2024</a:t>
             </a:fld>
             <a:endParaRPr lang="en-US"/>
           </a:p>
@@ -3410,7 +3410,7 @@
           <a:p>
             <a:fld id="{CA355DA2-1E89-41CC-B722-CBFC08F260AE}" type="datetime1">
               <a:rPr lang="en-US" smtClean="0"/>
-              <a:t>1/15/2024</a:t>
+              <a:t>1/24/2024</a:t>
             </a:fld>
             <a:endParaRPr lang="en-US"/>
           </a:p>
@@ -3675,7 +3675,7 @@
           <a:p>
             <a:fld id="{7F6AFD48-C472-404E-B7B5-BA44CCF2F55D}" type="datetime1">
               <a:rPr lang="en-US" smtClean="0"/>
-              <a:t>1/15/2024</a:t>
+              <a:t>1/24/2024</a:t>
             </a:fld>
             <a:endParaRPr lang="en-US"/>
           </a:p>
@@ -4087,7 +4087,7 @@
           <a:p>
             <a:fld id="{B33F52E9-9255-4CAF-909C-660126F1B079}" type="datetime1">
               <a:rPr lang="en-US" smtClean="0"/>
-              <a:t>1/15/2024</a:t>
+              <a:t>1/24/2024</a:t>
             </a:fld>
             <a:endParaRPr lang="en-US"/>
           </a:p>
@@ -4228,7 +4228,7 @@
           <a:p>
             <a:fld id="{67F9F019-D13C-4797-8A9F-7B02D5B8121E}" type="datetime1">
               <a:rPr lang="en-US" smtClean="0"/>
-              <a:t>1/15/2024</a:t>
+              <a:t>1/24/2024</a:t>
             </a:fld>
             <a:endParaRPr lang="en-US"/>
           </a:p>
@@ -4341,7 +4341,7 @@
           <a:p>
             <a:fld id="{FDA143B9-A6C4-436D-945A-FF5B3EA2EF39}" type="datetime1">
               <a:rPr lang="en-US" smtClean="0"/>
-              <a:t>1/15/2024</a:t>
+              <a:t>1/24/2024</a:t>
             </a:fld>
             <a:endParaRPr lang="en-US"/>
           </a:p>
@@ -4652,7 +4652,7 @@
           <a:p>
             <a:fld id="{457E18FE-B6F9-4F6A-835B-8251F04458A0}" type="datetime1">
               <a:rPr lang="en-US" smtClean="0"/>
-              <a:t>1/15/2024</a:t>
+              <a:t>1/24/2024</a:t>
             </a:fld>
             <a:endParaRPr lang="en-US"/>
           </a:p>
@@ -4940,7 +4940,7 @@
           <a:p>
             <a:fld id="{5F2690CE-112A-455B-AD5F-E26CEA6A5331}" type="datetime1">
               <a:rPr lang="en-US" smtClean="0"/>
-              <a:t>1/15/2024</a:t>
+              <a:t>1/24/2024</a:t>
             </a:fld>
             <a:endParaRPr lang="en-US"/>
           </a:p>
@@ -5181,7 +5181,7 @@
           <a:p>
             <a:fld id="{9C4E342D-98AB-407C-88D4-A20ED0F70E1C}" type="datetime1">
               <a:rPr lang="en-US" smtClean="0"/>
-              <a:t>1/15/2024</a:t>
+              <a:t>1/24/2024</a:t>
             </a:fld>
             <a:endParaRPr lang="en-US"/>
           </a:p>
@@ -5800,19 +5800,7 @@
             </a:pPr>
             <a:r>
               <a:rPr lang="en-US" dirty="0"/>
-              <a:t>Can overcome the overhead problems with</a:t>
-            </a:r>
-            <a:r>
-              <a:rPr lang="en-US" dirty="0">
-                <a:latin typeface="Lucida Console" panose="020B0609040504020204" pitchFamily="49" charset="0"/>
-              </a:rPr>
-              <a:t> Invoke-Command –</a:t>
-            </a:r>
-            <a:r>
-              <a:rPr lang="en-US" dirty="0" err="1">
-                <a:latin typeface="Lucida Console" panose="020B0609040504020204" pitchFamily="49" charset="0"/>
-              </a:rPr>
-              <a:t>ComputerName</a:t>
+              <a:t>To overcome</a:t>
             </a:r>
             <a:r>
               <a:rPr lang="en-US" dirty="0">
@@ -5821,9 +5809,45 @@
               <a:t> </a:t>
             </a:r>
             <a:r>
-              <a:rPr lang="en-US" i="1" dirty="0"/>
+              <a:rPr lang="en-US" dirty="0">
+                <a:highlight>
+                  <a:srgbClr val="C0C0C0"/>
+                </a:highlight>
+                <a:latin typeface="Lucida Console" panose="020B0609040504020204" pitchFamily="49" charset="0"/>
+              </a:rPr>
+              <a:t>Invoke-Command –</a:t>
+            </a:r>
+            <a:r>
+              <a:rPr lang="en-US" dirty="0" err="1">
+                <a:highlight>
+                  <a:srgbClr val="C0C0C0"/>
+                </a:highlight>
+                <a:latin typeface="Lucida Console" panose="020B0609040504020204" pitchFamily="49" charset="0"/>
+              </a:rPr>
+              <a:t>ComputerName</a:t>
+            </a:r>
+            <a:r>
+              <a:rPr lang="en-US" dirty="0">
+                <a:highlight>
+                  <a:srgbClr val="C0C0C0"/>
+                </a:highlight>
+                <a:latin typeface="Lucida Console" panose="020B0609040504020204" pitchFamily="49" charset="0"/>
+              </a:rPr>
+              <a:t> </a:t>
+            </a:r>
+            <a:r>
+              <a:rPr lang="en-US" i="1" dirty="0">
+                <a:highlight>
+                  <a:srgbClr val="C0C0C0"/>
+                </a:highlight>
+              </a:rPr>
               <a:t>&lt;target&gt;</a:t>
             </a:r>
+            <a:r>
+              <a:rPr lang="en-US" dirty="0"/>
+              <a:t>’s inherent overhead problems:</a:t>
+            </a:r>
+            <a:endParaRPr lang="en-US" i="1" dirty="0"/>
           </a:p>
           <a:p>
             <a:pPr marL="342900" indent="-342900">
@@ -5898,8 +5922,8 @@
               <a:t>PSSession</a:t>
             </a:r>
             <a:r>
-              <a:rPr lang="en-US" dirty="0"/>
-              <a:t>, </a:t>
+              <a:rPr lang="en-US"/>
+              <a:t>,    </a:t>
             </a:r>
             <a:r>
               <a:rPr lang="en-US" dirty="0">

--- a/CYBER360-3.4-3.5-Sessions-Endpoints.pptx
+++ b/CYBER360-3.4-3.5-Sessions-Endpoints.pptx
@@ -294,7 +294,7 @@
           <a:p>
             <a:fld id="{71087A05-F855-4434-8DDE-39A8542098A6}" type="datetimeFigureOut">
               <a:rPr lang="en-US" smtClean="0"/>
-              <a:t>12/6/2024</a:t>
+              <a:t>3/4/2025</a:t>
             </a:fld>
             <a:endParaRPr lang="en-US"/>
           </a:p>
@@ -532,7 +532,7 @@
           <a:p>
             <a:fld id="{71087A05-F855-4434-8DDE-39A8542098A6}" type="datetimeFigureOut">
               <a:rPr lang="en-US" smtClean="0"/>
-              <a:t>12/6/2024</a:t>
+              <a:t>3/4/2025</a:t>
             </a:fld>
             <a:endParaRPr lang="en-US"/>
           </a:p>
@@ -770,7 +770,7 @@
           <a:p>
             <a:fld id="{71087A05-F855-4434-8DDE-39A8542098A6}" type="datetimeFigureOut">
               <a:rPr lang="en-US" smtClean="0"/>
-              <a:t>12/6/2024</a:t>
+              <a:t>3/4/2025</a:t>
             </a:fld>
             <a:endParaRPr lang="en-US"/>
           </a:p>
@@ -1075,7 +1075,7 @@
           <a:p>
             <a:fld id="{71087A05-F855-4434-8DDE-39A8542098A6}" type="datetimeFigureOut">
               <a:rPr lang="en-US" smtClean="0"/>
-              <a:t>12/6/2024</a:t>
+              <a:t>3/4/2025</a:t>
             </a:fld>
             <a:endParaRPr lang="en-US"/>
           </a:p>
@@ -1378,7 +1378,7 @@
           <a:p>
             <a:fld id="{71087A05-F855-4434-8DDE-39A8542098A6}" type="datetimeFigureOut">
               <a:rPr lang="en-US" smtClean="0"/>
-              <a:t>12/6/2024</a:t>
+              <a:t>3/4/2025</a:t>
             </a:fld>
             <a:endParaRPr lang="en-US"/>
           </a:p>
@@ -1829,7 +1829,7 @@
           <a:p>
             <a:fld id="{71087A05-F855-4434-8DDE-39A8542098A6}" type="datetimeFigureOut">
               <a:rPr lang="en-US" smtClean="0"/>
-              <a:t>12/6/2024</a:t>
+              <a:t>3/4/2025</a:t>
             </a:fld>
             <a:endParaRPr lang="en-US"/>
           </a:p>
@@ -2002,7 +2002,7 @@
           <a:p>
             <a:fld id="{71087A05-F855-4434-8DDE-39A8542098A6}" type="datetimeFigureOut">
               <a:rPr lang="en-US" smtClean="0"/>
-              <a:t>12/6/2024</a:t>
+              <a:t>3/4/2025</a:t>
             </a:fld>
             <a:endParaRPr lang="en-US"/>
           </a:p>
@@ -2139,7 +2139,7 @@
           <a:p>
             <a:fld id="{71087A05-F855-4434-8DDE-39A8542098A6}" type="datetimeFigureOut">
               <a:rPr lang="en-US" smtClean="0"/>
-              <a:t>12/6/2024</a:t>
+              <a:t>3/4/2025</a:t>
             </a:fld>
             <a:endParaRPr lang="en-US"/>
           </a:p>
@@ -2483,7 +2483,7 @@
           <a:p>
             <a:fld id="{71087A05-F855-4434-8DDE-39A8542098A6}" type="datetimeFigureOut">
               <a:rPr lang="en-US" smtClean="0"/>
-              <a:t>12/6/2024</a:t>
+              <a:t>3/4/2025</a:t>
             </a:fld>
             <a:endParaRPr lang="en-US"/>
           </a:p>
@@ -2807,7 +2807,7 @@
           <a:p>
             <a:fld id="{71087A05-F855-4434-8DDE-39A8542098A6}" type="datetimeFigureOut">
               <a:rPr lang="en-US" smtClean="0"/>
-              <a:t>12/6/2024</a:t>
+              <a:t>3/4/2025</a:t>
             </a:fld>
             <a:endParaRPr lang="en-US"/>
           </a:p>
@@ -3399,7 +3399,7 @@
           <a:p>
             <a:r>
               <a:rPr lang="en-US" dirty="0"/>
-              <a:t>CIT 361/CYBER 360: </a:t>
+              <a:t>CYBER 360: </a:t>
             </a:r>
             <a:br>
               <a:rPr lang="en-US" dirty="0"/>
@@ -3671,7 +3671,23 @@
             </a:pPr>
             <a:r>
               <a:rPr lang="en-US" sz="1800" dirty="0"/>
-              <a:t>Connect or disconnect from an established instance:</a:t>
+              <a:t>Connect or disconnect from an established instance </a:t>
+            </a:r>
+            <a:r>
+              <a:rPr lang="en-US" sz="1800" i="1" dirty="0"/>
+              <a:t>(Windows </a:t>
+            </a:r>
+            <a:r>
+              <a:rPr lang="en-US" sz="1800" i="1" dirty="0" err="1"/>
+              <a:t>WSMan</a:t>
+            </a:r>
+            <a:r>
+              <a:rPr lang="en-US" sz="1800" i="1" dirty="0"/>
+              <a:t> sessions only)</a:t>
+            </a:r>
+            <a:r>
+              <a:rPr lang="en-US" sz="1800" dirty="0"/>
+              <a:t>:</a:t>
             </a:r>
           </a:p>
           <a:p>
@@ -4263,7 +4279,15 @@
             </a:pPr>
             <a:r>
               <a:rPr lang="en-US" dirty="0"/>
-              <a:t>The remaining exercises this week gives you practice with PowerShell Sessions and Endpoints.</a:t>
+              <a:t>The remaining exercises this </a:t>
+            </a:r>
+            <a:r>
+              <a:rPr lang="en-US"/>
+              <a:t>week give </a:t>
+            </a:r>
+            <a:r>
+              <a:rPr lang="en-US" dirty="0"/>
+              <a:t>you practice with PowerShell Sessions and Endpoints.</a:t>
             </a:r>
             <a:endParaRPr lang="en-US" i="1" dirty="0"/>
           </a:p>
